--- a/Presentazione_progetto_2_v2.pptx
+++ b/Presentazione_progetto_2_v2.pptx
@@ -117,6 +117,11 @@
       </a:defRPr>
     </a:lvl9pPr>
   </p:defaultTextStyle>
+  <p:extLst>
+    <p:ext uri="{EFAFB233-063F-42B5-8137-9DF3F51BA10A}">
+      <p15:sldGuideLst xmlns:p15="http://schemas.microsoft.com/office/powerpoint/2012/main"/>
+    </p:ext>
+  </p:extLst>
 </p:presentation>
 </file>
 
@@ -267,7 +272,7 @@
           <a:p>
             <a:fld id="{976FA578-5FA8-1347-BEC0-A4347973ACB6}" type="datetimeFigureOut">
               <a:rPr lang="it-IT" smtClean="0"/>
-              <a:t>17/06/25</a:t>
+              <a:t>20/06/25</a:t>
             </a:fld>
             <a:endParaRPr lang="it-IT"/>
           </a:p>
@@ -465,7 +470,7 @@
           <a:p>
             <a:fld id="{976FA578-5FA8-1347-BEC0-A4347973ACB6}" type="datetimeFigureOut">
               <a:rPr lang="it-IT" smtClean="0"/>
-              <a:t>17/06/25</a:t>
+              <a:t>20/06/25</a:t>
             </a:fld>
             <a:endParaRPr lang="it-IT"/>
           </a:p>
@@ -673,7 +678,7 @@
           <a:p>
             <a:fld id="{976FA578-5FA8-1347-BEC0-A4347973ACB6}" type="datetimeFigureOut">
               <a:rPr lang="it-IT" smtClean="0"/>
-              <a:t>17/06/25</a:t>
+              <a:t>20/06/25</a:t>
             </a:fld>
             <a:endParaRPr lang="it-IT"/>
           </a:p>
@@ -871,7 +876,7 @@
           <a:p>
             <a:fld id="{976FA578-5FA8-1347-BEC0-A4347973ACB6}" type="datetimeFigureOut">
               <a:rPr lang="it-IT" smtClean="0"/>
-              <a:t>17/06/25</a:t>
+              <a:t>20/06/25</a:t>
             </a:fld>
             <a:endParaRPr lang="it-IT"/>
           </a:p>
@@ -1146,7 +1151,7 @@
           <a:p>
             <a:fld id="{976FA578-5FA8-1347-BEC0-A4347973ACB6}" type="datetimeFigureOut">
               <a:rPr lang="it-IT" smtClean="0"/>
-              <a:t>17/06/25</a:t>
+              <a:t>20/06/25</a:t>
             </a:fld>
             <a:endParaRPr lang="it-IT"/>
           </a:p>
@@ -1411,7 +1416,7 @@
           <a:p>
             <a:fld id="{976FA578-5FA8-1347-BEC0-A4347973ACB6}" type="datetimeFigureOut">
               <a:rPr lang="it-IT" smtClean="0"/>
-              <a:t>17/06/25</a:t>
+              <a:t>20/06/25</a:t>
             </a:fld>
             <a:endParaRPr lang="it-IT"/>
           </a:p>
@@ -1823,7 +1828,7 @@
           <a:p>
             <a:fld id="{976FA578-5FA8-1347-BEC0-A4347973ACB6}" type="datetimeFigureOut">
               <a:rPr lang="it-IT" smtClean="0"/>
-              <a:t>17/06/25</a:t>
+              <a:t>20/06/25</a:t>
             </a:fld>
             <a:endParaRPr lang="it-IT"/>
           </a:p>
@@ -1964,7 +1969,7 @@
           <a:p>
             <a:fld id="{976FA578-5FA8-1347-BEC0-A4347973ACB6}" type="datetimeFigureOut">
               <a:rPr lang="it-IT" smtClean="0"/>
-              <a:t>17/06/25</a:t>
+              <a:t>20/06/25</a:t>
             </a:fld>
             <a:endParaRPr lang="it-IT"/>
           </a:p>
@@ -2077,7 +2082,7 @@
           <a:p>
             <a:fld id="{976FA578-5FA8-1347-BEC0-A4347973ACB6}" type="datetimeFigureOut">
               <a:rPr lang="it-IT" smtClean="0"/>
-              <a:t>17/06/25</a:t>
+              <a:t>20/06/25</a:t>
             </a:fld>
             <a:endParaRPr lang="it-IT"/>
           </a:p>
@@ -2388,7 +2393,7 @@
           <a:p>
             <a:fld id="{976FA578-5FA8-1347-BEC0-A4347973ACB6}" type="datetimeFigureOut">
               <a:rPr lang="it-IT" smtClean="0"/>
-              <a:t>17/06/25</a:t>
+              <a:t>20/06/25</a:t>
             </a:fld>
             <a:endParaRPr lang="it-IT"/>
           </a:p>
@@ -2676,7 +2681,7 @@
           <a:p>
             <a:fld id="{976FA578-5FA8-1347-BEC0-A4347973ACB6}" type="datetimeFigureOut">
               <a:rPr lang="it-IT" smtClean="0"/>
-              <a:t>17/06/25</a:t>
+              <a:t>20/06/25</a:t>
             </a:fld>
             <a:endParaRPr lang="it-IT"/>
           </a:p>
@@ -2917,7 +2922,7 @@
           <a:p>
             <a:fld id="{976FA578-5FA8-1347-BEC0-A4347973ACB6}" type="datetimeFigureOut">
               <a:rPr lang="it-IT" smtClean="0"/>
-              <a:t>17/06/25</a:t>
+              <a:t>20/06/25</a:t>
             </a:fld>
             <a:endParaRPr lang="it-IT"/>
           </a:p>
@@ -4142,7 +4147,7 @@
             </a:r>
             <a:r>
               <a:rPr lang="it-IT" dirty="0"/>
-              <a:t> (4, 6: </a:t>
+              <a:t> (4: </a:t>
             </a:r>
             <a:r>
               <a:rPr lang="it-IT" dirty="0" err="1"/>
@@ -4166,147 +4171,1253 @@
           </a:p>
         </p:txBody>
       </p:sp>
-      <p:grpSp>
-        <p:nvGrpSpPr>
-          <p:cNvPr id="13" name="Gruppo 12">
-            <a:extLst>
-              <a:ext uri="{FF2B5EF4-FFF2-40B4-BE49-F238E27FC236}">
-                <a16:creationId xmlns:a16="http://schemas.microsoft.com/office/drawing/2014/main" id="{3739DEF1-C972-6618-FA08-4EF4C21B88F5}"/>
-              </a:ext>
-            </a:extLst>
-          </p:cNvPr>
-          <p:cNvGrpSpPr/>
-          <p:nvPr/>
-        </p:nvGrpSpPr>
-        <p:grpSpPr>
-          <a:xfrm>
-            <a:off x="6356412" y="1513959"/>
-            <a:ext cx="4997388" cy="3643020"/>
-            <a:chOff x="838200" y="1453092"/>
-            <a:chExt cx="10274300" cy="4953000"/>
-          </a:xfrm>
-        </p:grpSpPr>
-        <p:pic>
-          <p:nvPicPr>
-            <p:cNvPr id="9" name="Segnaposto contenuto 5">
-              <a:extLst>
-                <a:ext uri="{FF2B5EF4-FFF2-40B4-BE49-F238E27FC236}">
-                  <a16:creationId xmlns:a16="http://schemas.microsoft.com/office/drawing/2014/main" id="{A0B50311-4B20-ADDB-2DF6-5683E08023CC}"/>
-                </a:ext>
-              </a:extLst>
-            </p:cNvPr>
-            <p:cNvPicPr>
-              <a:picLocks noChangeAspect="1"/>
-            </p:cNvPicPr>
-            <p:nvPr/>
-          </p:nvPicPr>
-          <p:blipFill>
-            <a:blip r:embed="rId2"/>
-            <a:stretch>
-              <a:fillRect/>
-            </a:stretch>
-          </p:blipFill>
-          <p:spPr>
-            <a:xfrm>
-              <a:off x="838200" y="3929592"/>
-              <a:ext cx="5016500" cy="2476500"/>
-            </a:xfrm>
-            <a:prstGeom prst="rect">
-              <a:avLst/>
-            </a:prstGeom>
-          </p:spPr>
-        </p:pic>
-        <p:pic>
-          <p:nvPicPr>
-            <p:cNvPr id="10" name="Immagine 9">
-              <a:extLst>
-                <a:ext uri="{FF2B5EF4-FFF2-40B4-BE49-F238E27FC236}">
-                  <a16:creationId xmlns:a16="http://schemas.microsoft.com/office/drawing/2014/main" id="{AB1B214F-BCE9-A9FC-FAA4-B44851EBF258}"/>
-                </a:ext>
-              </a:extLst>
-            </p:cNvPr>
-            <p:cNvPicPr>
-              <a:picLocks noChangeAspect="1"/>
-            </p:cNvPicPr>
-            <p:nvPr/>
-          </p:nvPicPr>
-          <p:blipFill>
-            <a:blip r:embed="rId3"/>
-            <a:stretch>
-              <a:fillRect/>
-            </a:stretch>
-          </p:blipFill>
-          <p:spPr>
-            <a:xfrm>
-              <a:off x="838200" y="1453092"/>
-              <a:ext cx="5016500" cy="2476500"/>
-            </a:xfrm>
-            <a:prstGeom prst="rect">
-              <a:avLst/>
-            </a:prstGeom>
-          </p:spPr>
-        </p:pic>
-        <p:pic>
-          <p:nvPicPr>
-            <p:cNvPr id="11" name="Immagine 10">
-              <a:extLst>
-                <a:ext uri="{FF2B5EF4-FFF2-40B4-BE49-F238E27FC236}">
-                  <a16:creationId xmlns:a16="http://schemas.microsoft.com/office/drawing/2014/main" id="{86E089FA-BA95-794D-D4E1-C9A9C90B088D}"/>
-                </a:ext>
-              </a:extLst>
-            </p:cNvPr>
-            <p:cNvPicPr>
-              <a:picLocks noChangeAspect="1"/>
-            </p:cNvPicPr>
-            <p:nvPr/>
-          </p:nvPicPr>
-          <p:blipFill>
-            <a:blip r:embed="rId4"/>
-            <a:stretch>
-              <a:fillRect/>
-            </a:stretch>
-          </p:blipFill>
-          <p:spPr>
-            <a:xfrm>
-              <a:off x="6096000" y="1453092"/>
-              <a:ext cx="5016500" cy="2476500"/>
-            </a:xfrm>
-            <a:prstGeom prst="rect">
-              <a:avLst/>
-            </a:prstGeom>
-          </p:spPr>
-        </p:pic>
-        <p:pic>
-          <p:nvPicPr>
-            <p:cNvPr id="12" name="Immagine 11">
-              <a:extLst>
-                <a:ext uri="{FF2B5EF4-FFF2-40B4-BE49-F238E27FC236}">
-                  <a16:creationId xmlns:a16="http://schemas.microsoft.com/office/drawing/2014/main" id="{8B666A61-E9D4-C03A-3110-38BF8A76BC57}"/>
-                </a:ext>
-              </a:extLst>
-            </p:cNvPr>
-            <p:cNvPicPr>
-              <a:picLocks noChangeAspect="1"/>
-            </p:cNvPicPr>
-            <p:nvPr/>
-          </p:nvPicPr>
-          <p:blipFill>
-            <a:blip r:embed="rId5"/>
-            <a:stretch>
-              <a:fillRect/>
-            </a:stretch>
-          </p:blipFill>
-          <p:spPr>
-            <a:xfrm>
-              <a:off x="6096000" y="3929592"/>
-              <a:ext cx="5016500" cy="2476500"/>
-            </a:xfrm>
-            <a:prstGeom prst="rect">
-              <a:avLst/>
-            </a:prstGeom>
-          </p:spPr>
-        </p:pic>
-      </p:grpSp>
+      <p:graphicFrame>
+        <p:nvGraphicFramePr>
+          <p:cNvPr id="3" name="Tabella 2">
+            <a:extLst>
+              <a:ext uri="{FF2B5EF4-FFF2-40B4-BE49-F238E27FC236}">
+                <a16:creationId xmlns:a16="http://schemas.microsoft.com/office/drawing/2014/main" id="{9F490000-32CC-472B-4551-85411DB371A2}"/>
+              </a:ext>
+            </a:extLst>
+          </p:cNvPr>
+          <p:cNvGraphicFramePr>
+            <a:graphicFrameLocks noGrp="1"/>
+          </p:cNvGraphicFramePr>
+          <p:nvPr>
+            <p:extLst>
+              <p:ext uri="{D42A27DB-BD31-4B8C-83A1-F6EECF244321}">
+                <p14:modId xmlns:p14="http://schemas.microsoft.com/office/powerpoint/2010/main" val="2168669708"/>
+              </p:ext>
+            </p:extLst>
+          </p:nvPr>
+        </p:nvGraphicFramePr>
+        <p:xfrm>
+          <a:off x="6096000" y="1417320"/>
+          <a:ext cx="5257800" cy="4023360"/>
+        </p:xfrm>
+        <a:graphic>
+          <a:graphicData uri="http://schemas.openxmlformats.org/drawingml/2006/table">
+            <a:tbl>
+              <a:tblPr/>
+              <a:tblGrid>
+                <a:gridCol w="2628900">
+                  <a:extLst>
+                    <a:ext uri="{9D8B030D-6E8A-4147-A177-3AD203B41FA5}">
+                      <a16:colId xmlns:a16="http://schemas.microsoft.com/office/drawing/2014/main" val="245274004"/>
+                    </a:ext>
+                  </a:extLst>
+                </a:gridCol>
+                <a:gridCol w="2628900">
+                  <a:extLst>
+                    <a:ext uri="{9D8B030D-6E8A-4147-A177-3AD203B41FA5}">
+                      <a16:colId xmlns:a16="http://schemas.microsoft.com/office/drawing/2014/main" val="2714730656"/>
+                    </a:ext>
+                  </a:extLst>
+                </a:gridCol>
+              </a:tblGrid>
+              <a:tr h="188772">
+                <a:tc>
+                  <a:txBody>
+                    <a:bodyPr/>
+                    <a:lstStyle/>
+                    <a:p>
+                      <a:r>
+                        <a:rPr lang="it-IT"/>
+                        <a:t>Scene</a:t>
+                      </a:r>
+                    </a:p>
+                  </a:txBody>
+                  <a:tcPr anchor="ctr">
+                    <a:lnL w="12700" cap="flat" cmpd="sng" algn="ctr">
+                      <a:solidFill>
+                        <a:schemeClr val="tx1"/>
+                      </a:solidFill>
+                      <a:prstDash val="solid"/>
+                      <a:round/>
+                      <a:headEnd type="none" w="med" len="med"/>
+                      <a:tailEnd type="none" w="med" len="med"/>
+                    </a:lnL>
+                    <a:lnR w="12700" cap="flat" cmpd="sng" algn="ctr">
+                      <a:solidFill>
+                        <a:schemeClr val="tx1"/>
+                      </a:solidFill>
+                      <a:prstDash val="solid"/>
+                      <a:round/>
+                      <a:headEnd type="none" w="med" len="med"/>
+                      <a:tailEnd type="none" w="med" len="med"/>
+                    </a:lnR>
+                    <a:lnT w="12700" cap="flat" cmpd="sng" algn="ctr">
+                      <a:solidFill>
+                        <a:schemeClr val="tx1"/>
+                      </a:solidFill>
+                      <a:prstDash val="solid"/>
+                      <a:round/>
+                      <a:headEnd type="none" w="med" len="med"/>
+                      <a:tailEnd type="none" w="med" len="med"/>
+                    </a:lnT>
+                    <a:lnB w="12700" cap="flat" cmpd="sng" algn="ctr">
+                      <a:solidFill>
+                        <a:schemeClr val="tx1"/>
+                      </a:solidFill>
+                      <a:prstDash val="solid"/>
+                      <a:round/>
+                      <a:headEnd type="none" w="med" len="med"/>
+                      <a:tailEnd type="none" w="med" len="med"/>
+                    </a:lnB>
+                    <a:noFill/>
+                  </a:tcPr>
+                </a:tc>
+                <a:tc>
+                  <a:txBody>
+                    <a:bodyPr/>
+                    <a:lstStyle/>
+                    <a:p>
+                      <a:r>
+                        <a:rPr lang="it-IT"/>
+                        <a:t>Mean RMSE</a:t>
+                      </a:r>
+                    </a:p>
+                  </a:txBody>
+                  <a:tcPr anchor="ctr">
+                    <a:lnL w="12700" cap="flat" cmpd="sng" algn="ctr">
+                      <a:solidFill>
+                        <a:schemeClr val="tx1"/>
+                      </a:solidFill>
+                      <a:prstDash val="solid"/>
+                      <a:round/>
+                      <a:headEnd type="none" w="med" len="med"/>
+                      <a:tailEnd type="none" w="med" len="med"/>
+                    </a:lnL>
+                    <a:lnR w="12700" cap="flat" cmpd="sng" algn="ctr">
+                      <a:solidFill>
+                        <a:schemeClr val="tx1"/>
+                      </a:solidFill>
+                      <a:prstDash val="solid"/>
+                      <a:round/>
+                      <a:headEnd type="none" w="med" len="med"/>
+                      <a:tailEnd type="none" w="med" len="med"/>
+                    </a:lnR>
+                    <a:lnT w="12700" cap="flat" cmpd="sng" algn="ctr">
+                      <a:solidFill>
+                        <a:schemeClr val="tx1"/>
+                      </a:solidFill>
+                      <a:prstDash val="solid"/>
+                      <a:round/>
+                      <a:headEnd type="none" w="med" len="med"/>
+                      <a:tailEnd type="none" w="med" len="med"/>
+                    </a:lnT>
+                    <a:lnB w="12700" cap="flat" cmpd="sng" algn="ctr">
+                      <a:solidFill>
+                        <a:schemeClr val="tx1"/>
+                      </a:solidFill>
+                      <a:prstDash val="solid"/>
+                      <a:round/>
+                      <a:headEnd type="none" w="med" len="med"/>
+                      <a:tailEnd type="none" w="med" len="med"/>
+                    </a:lnB>
+                    <a:noFill/>
+                  </a:tcPr>
+                </a:tc>
+                <a:extLst>
+                  <a:ext uri="{0D108BD9-81ED-4DB2-BD59-A6C34878D82A}">
+                    <a16:rowId xmlns:a16="http://schemas.microsoft.com/office/drawing/2014/main" val="1671661109"/>
+                  </a:ext>
+                </a:extLst>
+              </a:tr>
+              <a:tr h="117168">
+                <a:tc>
+                  <a:txBody>
+                    <a:bodyPr/>
+                    <a:lstStyle/>
+                    <a:p>
+                      <a:r>
+                        <a:rPr lang="it-IT"/>
+                        <a:t>0</a:t>
+                      </a:r>
+                    </a:p>
+                  </a:txBody>
+                  <a:tcPr anchor="ctr">
+                    <a:lnL w="12700" cap="flat" cmpd="sng" algn="ctr">
+                      <a:solidFill>
+                        <a:schemeClr val="tx1"/>
+                      </a:solidFill>
+                      <a:prstDash val="solid"/>
+                      <a:round/>
+                      <a:headEnd type="none" w="med" len="med"/>
+                      <a:tailEnd type="none" w="med" len="med"/>
+                    </a:lnL>
+                    <a:lnR w="12700" cap="flat" cmpd="sng" algn="ctr">
+                      <a:solidFill>
+                        <a:schemeClr val="tx1"/>
+                      </a:solidFill>
+                      <a:prstDash val="solid"/>
+                      <a:round/>
+                      <a:headEnd type="none" w="med" len="med"/>
+                      <a:tailEnd type="none" w="med" len="med"/>
+                    </a:lnR>
+                    <a:lnT w="12700" cap="flat" cmpd="sng" algn="ctr">
+                      <a:solidFill>
+                        <a:schemeClr val="tx1"/>
+                      </a:solidFill>
+                      <a:prstDash val="solid"/>
+                      <a:round/>
+                      <a:headEnd type="none" w="med" len="med"/>
+                      <a:tailEnd type="none" w="med" len="med"/>
+                    </a:lnT>
+                    <a:lnB w="12700" cap="flat" cmpd="sng" algn="ctr">
+                      <a:solidFill>
+                        <a:schemeClr val="tx1"/>
+                      </a:solidFill>
+                      <a:prstDash val="solid"/>
+                      <a:round/>
+                      <a:headEnd type="none" w="med" len="med"/>
+                      <a:tailEnd type="none" w="med" len="med"/>
+                    </a:lnB>
+                    <a:noFill/>
+                  </a:tcPr>
+                </a:tc>
+                <a:tc>
+                  <a:txBody>
+                    <a:bodyPr/>
+                    <a:lstStyle/>
+                    <a:p>
+                      <a:r>
+                        <a:rPr lang="it-IT"/>
+                        <a:t>5.62</a:t>
+                      </a:r>
+                    </a:p>
+                  </a:txBody>
+                  <a:tcPr anchor="ctr">
+                    <a:lnL w="12700" cap="flat" cmpd="sng" algn="ctr">
+                      <a:solidFill>
+                        <a:schemeClr val="tx1"/>
+                      </a:solidFill>
+                      <a:prstDash val="solid"/>
+                      <a:round/>
+                      <a:headEnd type="none" w="med" len="med"/>
+                      <a:tailEnd type="none" w="med" len="med"/>
+                    </a:lnL>
+                    <a:lnR w="12700" cap="flat" cmpd="sng" algn="ctr">
+                      <a:solidFill>
+                        <a:schemeClr val="tx1"/>
+                      </a:solidFill>
+                      <a:prstDash val="solid"/>
+                      <a:round/>
+                      <a:headEnd type="none" w="med" len="med"/>
+                      <a:tailEnd type="none" w="med" len="med"/>
+                    </a:lnR>
+                    <a:lnT w="12700" cap="flat" cmpd="sng" algn="ctr">
+                      <a:solidFill>
+                        <a:schemeClr val="tx1"/>
+                      </a:solidFill>
+                      <a:prstDash val="solid"/>
+                      <a:round/>
+                      <a:headEnd type="none" w="med" len="med"/>
+                      <a:tailEnd type="none" w="med" len="med"/>
+                    </a:lnT>
+                    <a:lnB w="12700" cap="flat" cmpd="sng" algn="ctr">
+                      <a:solidFill>
+                        <a:schemeClr val="tx1"/>
+                      </a:solidFill>
+                      <a:prstDash val="solid"/>
+                      <a:round/>
+                      <a:headEnd type="none" w="med" len="med"/>
+                      <a:tailEnd type="none" w="med" len="med"/>
+                    </a:lnB>
+                    <a:noFill/>
+                  </a:tcPr>
+                </a:tc>
+                <a:extLst>
+                  <a:ext uri="{0D108BD9-81ED-4DB2-BD59-A6C34878D82A}">
+                    <a16:rowId xmlns:a16="http://schemas.microsoft.com/office/drawing/2014/main" val="3285160076"/>
+                  </a:ext>
+                </a:extLst>
+              </a:tr>
+              <a:tr h="117168">
+                <a:tc>
+                  <a:txBody>
+                    <a:bodyPr/>
+                    <a:lstStyle/>
+                    <a:p>
+                      <a:r>
+                        <a:rPr lang="it-IT"/>
+                        <a:t>1</a:t>
+                      </a:r>
+                    </a:p>
+                  </a:txBody>
+                  <a:tcPr anchor="ctr">
+                    <a:lnL w="12700" cap="flat" cmpd="sng" algn="ctr">
+                      <a:solidFill>
+                        <a:schemeClr val="tx1"/>
+                      </a:solidFill>
+                      <a:prstDash val="solid"/>
+                      <a:round/>
+                      <a:headEnd type="none" w="med" len="med"/>
+                      <a:tailEnd type="none" w="med" len="med"/>
+                    </a:lnL>
+                    <a:lnR w="12700" cap="flat" cmpd="sng" algn="ctr">
+                      <a:solidFill>
+                        <a:schemeClr val="tx1"/>
+                      </a:solidFill>
+                      <a:prstDash val="solid"/>
+                      <a:round/>
+                      <a:headEnd type="none" w="med" len="med"/>
+                      <a:tailEnd type="none" w="med" len="med"/>
+                    </a:lnR>
+                    <a:lnT w="12700" cap="flat" cmpd="sng" algn="ctr">
+                      <a:solidFill>
+                        <a:schemeClr val="tx1"/>
+                      </a:solidFill>
+                      <a:prstDash val="solid"/>
+                      <a:round/>
+                      <a:headEnd type="none" w="med" len="med"/>
+                      <a:tailEnd type="none" w="med" len="med"/>
+                    </a:lnT>
+                    <a:lnB w="12700" cap="flat" cmpd="sng" algn="ctr">
+                      <a:solidFill>
+                        <a:schemeClr val="tx1"/>
+                      </a:solidFill>
+                      <a:prstDash val="solid"/>
+                      <a:round/>
+                      <a:headEnd type="none" w="med" len="med"/>
+                      <a:tailEnd type="none" w="med" len="med"/>
+                    </a:lnB>
+                    <a:noFill/>
+                  </a:tcPr>
+                </a:tc>
+                <a:tc>
+                  <a:txBody>
+                    <a:bodyPr/>
+                    <a:lstStyle/>
+                    <a:p>
+                      <a:r>
+                        <a:rPr lang="it-IT"/>
+                        <a:t>5.40</a:t>
+                      </a:r>
+                    </a:p>
+                  </a:txBody>
+                  <a:tcPr anchor="ctr">
+                    <a:lnL w="12700" cap="flat" cmpd="sng" algn="ctr">
+                      <a:solidFill>
+                        <a:schemeClr val="tx1"/>
+                      </a:solidFill>
+                      <a:prstDash val="solid"/>
+                      <a:round/>
+                      <a:headEnd type="none" w="med" len="med"/>
+                      <a:tailEnd type="none" w="med" len="med"/>
+                    </a:lnL>
+                    <a:lnR w="12700" cap="flat" cmpd="sng" algn="ctr">
+                      <a:solidFill>
+                        <a:schemeClr val="tx1"/>
+                      </a:solidFill>
+                      <a:prstDash val="solid"/>
+                      <a:round/>
+                      <a:headEnd type="none" w="med" len="med"/>
+                      <a:tailEnd type="none" w="med" len="med"/>
+                    </a:lnR>
+                    <a:lnT w="12700" cap="flat" cmpd="sng" algn="ctr">
+                      <a:solidFill>
+                        <a:schemeClr val="tx1"/>
+                      </a:solidFill>
+                      <a:prstDash val="solid"/>
+                      <a:round/>
+                      <a:headEnd type="none" w="med" len="med"/>
+                      <a:tailEnd type="none" w="med" len="med"/>
+                    </a:lnT>
+                    <a:lnB w="12700" cap="flat" cmpd="sng" algn="ctr">
+                      <a:solidFill>
+                        <a:schemeClr val="tx1"/>
+                      </a:solidFill>
+                      <a:prstDash val="solid"/>
+                      <a:round/>
+                      <a:headEnd type="none" w="med" len="med"/>
+                      <a:tailEnd type="none" w="med" len="med"/>
+                    </a:lnB>
+                    <a:noFill/>
+                  </a:tcPr>
+                </a:tc>
+                <a:extLst>
+                  <a:ext uri="{0D108BD9-81ED-4DB2-BD59-A6C34878D82A}">
+                    <a16:rowId xmlns:a16="http://schemas.microsoft.com/office/drawing/2014/main" val="2897178211"/>
+                  </a:ext>
+                </a:extLst>
+              </a:tr>
+              <a:tr h="117168">
+                <a:tc>
+                  <a:txBody>
+                    <a:bodyPr/>
+                    <a:lstStyle/>
+                    <a:p>
+                      <a:r>
+                        <a:rPr lang="it-IT"/>
+                        <a:t>2</a:t>
+                      </a:r>
+                    </a:p>
+                  </a:txBody>
+                  <a:tcPr anchor="ctr">
+                    <a:lnL w="12700" cap="flat" cmpd="sng" algn="ctr">
+                      <a:solidFill>
+                        <a:schemeClr val="tx1"/>
+                      </a:solidFill>
+                      <a:prstDash val="solid"/>
+                      <a:round/>
+                      <a:headEnd type="none" w="med" len="med"/>
+                      <a:tailEnd type="none" w="med" len="med"/>
+                    </a:lnL>
+                    <a:lnR w="12700" cap="flat" cmpd="sng" algn="ctr">
+                      <a:solidFill>
+                        <a:schemeClr val="tx1"/>
+                      </a:solidFill>
+                      <a:prstDash val="solid"/>
+                      <a:round/>
+                      <a:headEnd type="none" w="med" len="med"/>
+                      <a:tailEnd type="none" w="med" len="med"/>
+                    </a:lnR>
+                    <a:lnT w="12700" cap="flat" cmpd="sng" algn="ctr">
+                      <a:solidFill>
+                        <a:schemeClr val="tx1"/>
+                      </a:solidFill>
+                      <a:prstDash val="solid"/>
+                      <a:round/>
+                      <a:headEnd type="none" w="med" len="med"/>
+                      <a:tailEnd type="none" w="med" len="med"/>
+                    </a:lnT>
+                    <a:lnB w="12700" cap="flat" cmpd="sng" algn="ctr">
+                      <a:solidFill>
+                        <a:schemeClr val="tx1"/>
+                      </a:solidFill>
+                      <a:prstDash val="solid"/>
+                      <a:round/>
+                      <a:headEnd type="none" w="med" len="med"/>
+                      <a:tailEnd type="none" w="med" len="med"/>
+                    </a:lnB>
+                    <a:noFill/>
+                  </a:tcPr>
+                </a:tc>
+                <a:tc>
+                  <a:txBody>
+                    <a:bodyPr/>
+                    <a:lstStyle/>
+                    <a:p>
+                      <a:r>
+                        <a:rPr lang="it-IT"/>
+                        <a:t>8.09</a:t>
+                      </a:r>
+                    </a:p>
+                  </a:txBody>
+                  <a:tcPr anchor="ctr">
+                    <a:lnL w="12700" cap="flat" cmpd="sng" algn="ctr">
+                      <a:solidFill>
+                        <a:schemeClr val="tx1"/>
+                      </a:solidFill>
+                      <a:prstDash val="solid"/>
+                      <a:round/>
+                      <a:headEnd type="none" w="med" len="med"/>
+                      <a:tailEnd type="none" w="med" len="med"/>
+                    </a:lnL>
+                    <a:lnR w="12700" cap="flat" cmpd="sng" algn="ctr">
+                      <a:solidFill>
+                        <a:schemeClr val="tx1"/>
+                      </a:solidFill>
+                      <a:prstDash val="solid"/>
+                      <a:round/>
+                      <a:headEnd type="none" w="med" len="med"/>
+                      <a:tailEnd type="none" w="med" len="med"/>
+                    </a:lnR>
+                    <a:lnT w="12700" cap="flat" cmpd="sng" algn="ctr">
+                      <a:solidFill>
+                        <a:schemeClr val="tx1"/>
+                      </a:solidFill>
+                      <a:prstDash val="solid"/>
+                      <a:round/>
+                      <a:headEnd type="none" w="med" len="med"/>
+                      <a:tailEnd type="none" w="med" len="med"/>
+                    </a:lnT>
+                    <a:lnB w="12700" cap="flat" cmpd="sng" algn="ctr">
+                      <a:solidFill>
+                        <a:schemeClr val="tx1"/>
+                      </a:solidFill>
+                      <a:prstDash val="solid"/>
+                      <a:round/>
+                      <a:headEnd type="none" w="med" len="med"/>
+                      <a:tailEnd type="none" w="med" len="med"/>
+                    </a:lnB>
+                    <a:noFill/>
+                  </a:tcPr>
+                </a:tc>
+                <a:extLst>
+                  <a:ext uri="{0D108BD9-81ED-4DB2-BD59-A6C34878D82A}">
+                    <a16:rowId xmlns:a16="http://schemas.microsoft.com/office/drawing/2014/main" val="1904047844"/>
+                  </a:ext>
+                </a:extLst>
+              </a:tr>
+              <a:tr h="117168">
+                <a:tc>
+                  <a:txBody>
+                    <a:bodyPr/>
+                    <a:lstStyle/>
+                    <a:p>
+                      <a:r>
+                        <a:rPr lang="it-IT" dirty="0"/>
+                        <a:t>3</a:t>
+                      </a:r>
+                    </a:p>
+                  </a:txBody>
+                  <a:tcPr anchor="ctr">
+                    <a:lnL w="12700" cap="flat" cmpd="sng" algn="ctr">
+                      <a:solidFill>
+                        <a:schemeClr val="tx1"/>
+                      </a:solidFill>
+                      <a:prstDash val="solid"/>
+                      <a:round/>
+                      <a:headEnd type="none" w="med" len="med"/>
+                      <a:tailEnd type="none" w="med" len="med"/>
+                    </a:lnL>
+                    <a:lnR w="12700" cap="flat" cmpd="sng" algn="ctr">
+                      <a:solidFill>
+                        <a:schemeClr val="tx1"/>
+                      </a:solidFill>
+                      <a:prstDash val="solid"/>
+                      <a:round/>
+                      <a:headEnd type="none" w="med" len="med"/>
+                      <a:tailEnd type="none" w="med" len="med"/>
+                    </a:lnR>
+                    <a:lnT w="12700" cap="flat" cmpd="sng" algn="ctr">
+                      <a:solidFill>
+                        <a:schemeClr val="tx1"/>
+                      </a:solidFill>
+                      <a:prstDash val="solid"/>
+                      <a:round/>
+                      <a:headEnd type="none" w="med" len="med"/>
+                      <a:tailEnd type="none" w="med" len="med"/>
+                    </a:lnT>
+                    <a:lnB w="12700" cap="flat" cmpd="sng" algn="ctr">
+                      <a:solidFill>
+                        <a:schemeClr val="tx1"/>
+                      </a:solidFill>
+                      <a:prstDash val="solid"/>
+                      <a:round/>
+                      <a:headEnd type="none" w="med" len="med"/>
+                      <a:tailEnd type="none" w="med" len="med"/>
+                    </a:lnB>
+                    <a:noFill/>
+                  </a:tcPr>
+                </a:tc>
+                <a:tc>
+                  <a:txBody>
+                    <a:bodyPr/>
+                    <a:lstStyle/>
+                    <a:p>
+                      <a:r>
+                        <a:rPr lang="it-IT"/>
+                        <a:t>4.32</a:t>
+                      </a:r>
+                    </a:p>
+                  </a:txBody>
+                  <a:tcPr anchor="ctr">
+                    <a:lnL w="12700" cap="flat" cmpd="sng" algn="ctr">
+                      <a:solidFill>
+                        <a:schemeClr val="tx1"/>
+                      </a:solidFill>
+                      <a:prstDash val="solid"/>
+                      <a:round/>
+                      <a:headEnd type="none" w="med" len="med"/>
+                      <a:tailEnd type="none" w="med" len="med"/>
+                    </a:lnL>
+                    <a:lnR w="12700" cap="flat" cmpd="sng" algn="ctr">
+                      <a:solidFill>
+                        <a:schemeClr val="tx1"/>
+                      </a:solidFill>
+                      <a:prstDash val="solid"/>
+                      <a:round/>
+                      <a:headEnd type="none" w="med" len="med"/>
+                      <a:tailEnd type="none" w="med" len="med"/>
+                    </a:lnR>
+                    <a:lnT w="12700" cap="flat" cmpd="sng" algn="ctr">
+                      <a:solidFill>
+                        <a:schemeClr val="tx1"/>
+                      </a:solidFill>
+                      <a:prstDash val="solid"/>
+                      <a:round/>
+                      <a:headEnd type="none" w="med" len="med"/>
+                      <a:tailEnd type="none" w="med" len="med"/>
+                    </a:lnT>
+                    <a:lnB w="12700" cap="flat" cmpd="sng" algn="ctr">
+                      <a:solidFill>
+                        <a:schemeClr val="tx1"/>
+                      </a:solidFill>
+                      <a:prstDash val="solid"/>
+                      <a:round/>
+                      <a:headEnd type="none" w="med" len="med"/>
+                      <a:tailEnd type="none" w="med" len="med"/>
+                    </a:lnB>
+                    <a:noFill/>
+                  </a:tcPr>
+                </a:tc>
+                <a:extLst>
+                  <a:ext uri="{0D108BD9-81ED-4DB2-BD59-A6C34878D82A}">
+                    <a16:rowId xmlns:a16="http://schemas.microsoft.com/office/drawing/2014/main" val="3939722195"/>
+                  </a:ext>
+                </a:extLst>
+              </a:tr>
+              <a:tr h="117168">
+                <a:tc>
+                  <a:txBody>
+                    <a:bodyPr/>
+                    <a:lstStyle/>
+                    <a:p>
+                      <a:r>
+                        <a:rPr lang="it-IT"/>
+                        <a:t>4</a:t>
+                      </a:r>
+                    </a:p>
+                  </a:txBody>
+                  <a:tcPr anchor="ctr">
+                    <a:lnL w="12700" cap="flat" cmpd="sng" algn="ctr">
+                      <a:solidFill>
+                        <a:schemeClr val="tx1"/>
+                      </a:solidFill>
+                      <a:prstDash val="solid"/>
+                      <a:round/>
+                      <a:headEnd type="none" w="med" len="med"/>
+                      <a:tailEnd type="none" w="med" len="med"/>
+                    </a:lnL>
+                    <a:lnR w="12700" cap="flat" cmpd="sng" algn="ctr">
+                      <a:solidFill>
+                        <a:schemeClr val="tx1"/>
+                      </a:solidFill>
+                      <a:prstDash val="solid"/>
+                      <a:round/>
+                      <a:headEnd type="none" w="med" len="med"/>
+                      <a:tailEnd type="none" w="med" len="med"/>
+                    </a:lnR>
+                    <a:lnT w="12700" cap="flat" cmpd="sng" algn="ctr">
+                      <a:solidFill>
+                        <a:schemeClr val="tx1"/>
+                      </a:solidFill>
+                      <a:prstDash val="solid"/>
+                      <a:round/>
+                      <a:headEnd type="none" w="med" len="med"/>
+                      <a:tailEnd type="none" w="med" len="med"/>
+                    </a:lnT>
+                    <a:lnB w="12700" cap="flat" cmpd="sng" algn="ctr">
+                      <a:solidFill>
+                        <a:schemeClr val="tx1"/>
+                      </a:solidFill>
+                      <a:prstDash val="solid"/>
+                      <a:round/>
+                      <a:headEnd type="none" w="med" len="med"/>
+                      <a:tailEnd type="none" w="med" len="med"/>
+                    </a:lnB>
+                    <a:noFill/>
+                  </a:tcPr>
+                </a:tc>
+                <a:tc>
+                  <a:txBody>
+                    <a:bodyPr/>
+                    <a:lstStyle/>
+                    <a:p>
+                      <a:r>
+                        <a:rPr lang="it-IT"/>
+                        <a:t>30.36</a:t>
+                      </a:r>
+                    </a:p>
+                  </a:txBody>
+                  <a:tcPr anchor="ctr">
+                    <a:lnL w="12700" cap="flat" cmpd="sng" algn="ctr">
+                      <a:solidFill>
+                        <a:schemeClr val="tx1"/>
+                      </a:solidFill>
+                      <a:prstDash val="solid"/>
+                      <a:round/>
+                      <a:headEnd type="none" w="med" len="med"/>
+                      <a:tailEnd type="none" w="med" len="med"/>
+                    </a:lnL>
+                    <a:lnR w="12700" cap="flat" cmpd="sng" algn="ctr">
+                      <a:solidFill>
+                        <a:schemeClr val="tx1"/>
+                      </a:solidFill>
+                      <a:prstDash val="solid"/>
+                      <a:round/>
+                      <a:headEnd type="none" w="med" len="med"/>
+                      <a:tailEnd type="none" w="med" len="med"/>
+                    </a:lnR>
+                    <a:lnT w="12700" cap="flat" cmpd="sng" algn="ctr">
+                      <a:solidFill>
+                        <a:schemeClr val="tx1"/>
+                      </a:solidFill>
+                      <a:prstDash val="solid"/>
+                      <a:round/>
+                      <a:headEnd type="none" w="med" len="med"/>
+                      <a:tailEnd type="none" w="med" len="med"/>
+                    </a:lnT>
+                    <a:lnB w="12700" cap="flat" cmpd="sng" algn="ctr">
+                      <a:solidFill>
+                        <a:schemeClr val="tx1"/>
+                      </a:solidFill>
+                      <a:prstDash val="solid"/>
+                      <a:round/>
+                      <a:headEnd type="none" w="med" len="med"/>
+                      <a:tailEnd type="none" w="med" len="med"/>
+                    </a:lnB>
+                    <a:noFill/>
+                  </a:tcPr>
+                </a:tc>
+                <a:extLst>
+                  <a:ext uri="{0D108BD9-81ED-4DB2-BD59-A6C34878D82A}">
+                    <a16:rowId xmlns:a16="http://schemas.microsoft.com/office/drawing/2014/main" val="448373538"/>
+                  </a:ext>
+                </a:extLst>
+              </a:tr>
+              <a:tr h="117168">
+                <a:tc>
+                  <a:txBody>
+                    <a:bodyPr/>
+                    <a:lstStyle/>
+                    <a:p>
+                      <a:r>
+                        <a:rPr lang="it-IT"/>
+                        <a:t>5</a:t>
+                      </a:r>
+                    </a:p>
+                  </a:txBody>
+                  <a:tcPr anchor="ctr">
+                    <a:lnL w="12700" cap="flat" cmpd="sng" algn="ctr">
+                      <a:solidFill>
+                        <a:schemeClr val="tx1"/>
+                      </a:solidFill>
+                      <a:prstDash val="solid"/>
+                      <a:round/>
+                      <a:headEnd type="none" w="med" len="med"/>
+                      <a:tailEnd type="none" w="med" len="med"/>
+                    </a:lnL>
+                    <a:lnR w="12700" cap="flat" cmpd="sng" algn="ctr">
+                      <a:solidFill>
+                        <a:schemeClr val="tx1"/>
+                      </a:solidFill>
+                      <a:prstDash val="solid"/>
+                      <a:round/>
+                      <a:headEnd type="none" w="med" len="med"/>
+                      <a:tailEnd type="none" w="med" len="med"/>
+                    </a:lnR>
+                    <a:lnT w="12700" cap="flat" cmpd="sng" algn="ctr">
+                      <a:solidFill>
+                        <a:schemeClr val="tx1"/>
+                      </a:solidFill>
+                      <a:prstDash val="solid"/>
+                      <a:round/>
+                      <a:headEnd type="none" w="med" len="med"/>
+                      <a:tailEnd type="none" w="med" len="med"/>
+                    </a:lnT>
+                    <a:lnB w="12700" cap="flat" cmpd="sng" algn="ctr">
+                      <a:solidFill>
+                        <a:schemeClr val="tx1"/>
+                      </a:solidFill>
+                      <a:prstDash val="solid"/>
+                      <a:round/>
+                      <a:headEnd type="none" w="med" len="med"/>
+                      <a:tailEnd type="none" w="med" len="med"/>
+                    </a:lnB>
+                    <a:noFill/>
+                  </a:tcPr>
+                </a:tc>
+                <a:tc>
+                  <a:txBody>
+                    <a:bodyPr/>
+                    <a:lstStyle/>
+                    <a:p>
+                      <a:r>
+                        <a:rPr lang="it-IT"/>
+                        <a:t>1.45</a:t>
+                      </a:r>
+                    </a:p>
+                  </a:txBody>
+                  <a:tcPr anchor="ctr">
+                    <a:lnL w="12700" cap="flat" cmpd="sng" algn="ctr">
+                      <a:solidFill>
+                        <a:schemeClr val="tx1"/>
+                      </a:solidFill>
+                      <a:prstDash val="solid"/>
+                      <a:round/>
+                      <a:headEnd type="none" w="med" len="med"/>
+                      <a:tailEnd type="none" w="med" len="med"/>
+                    </a:lnL>
+                    <a:lnR w="12700" cap="flat" cmpd="sng" algn="ctr">
+                      <a:solidFill>
+                        <a:schemeClr val="tx1"/>
+                      </a:solidFill>
+                      <a:prstDash val="solid"/>
+                      <a:round/>
+                      <a:headEnd type="none" w="med" len="med"/>
+                      <a:tailEnd type="none" w="med" len="med"/>
+                    </a:lnR>
+                    <a:lnT w="12700" cap="flat" cmpd="sng" algn="ctr">
+                      <a:solidFill>
+                        <a:schemeClr val="tx1"/>
+                      </a:solidFill>
+                      <a:prstDash val="solid"/>
+                      <a:round/>
+                      <a:headEnd type="none" w="med" len="med"/>
+                      <a:tailEnd type="none" w="med" len="med"/>
+                    </a:lnT>
+                    <a:lnB w="12700" cap="flat" cmpd="sng" algn="ctr">
+                      <a:solidFill>
+                        <a:schemeClr val="tx1"/>
+                      </a:solidFill>
+                      <a:prstDash val="solid"/>
+                      <a:round/>
+                      <a:headEnd type="none" w="med" len="med"/>
+                      <a:tailEnd type="none" w="med" len="med"/>
+                    </a:lnB>
+                    <a:noFill/>
+                  </a:tcPr>
+                </a:tc>
+                <a:extLst>
+                  <a:ext uri="{0D108BD9-81ED-4DB2-BD59-A6C34878D82A}">
+                    <a16:rowId xmlns:a16="http://schemas.microsoft.com/office/drawing/2014/main" val="846694637"/>
+                  </a:ext>
+                </a:extLst>
+              </a:tr>
+              <a:tr h="117168">
+                <a:tc>
+                  <a:txBody>
+                    <a:bodyPr/>
+                    <a:lstStyle/>
+                    <a:p>
+                      <a:r>
+                        <a:rPr lang="it-IT"/>
+                        <a:t>6</a:t>
+                      </a:r>
+                    </a:p>
+                  </a:txBody>
+                  <a:tcPr anchor="ctr">
+                    <a:lnL w="12700" cap="flat" cmpd="sng" algn="ctr">
+                      <a:solidFill>
+                        <a:schemeClr val="tx1"/>
+                      </a:solidFill>
+                      <a:prstDash val="solid"/>
+                      <a:round/>
+                      <a:headEnd type="none" w="med" len="med"/>
+                      <a:tailEnd type="none" w="med" len="med"/>
+                    </a:lnL>
+                    <a:lnR w="12700" cap="flat" cmpd="sng" algn="ctr">
+                      <a:solidFill>
+                        <a:schemeClr val="tx1"/>
+                      </a:solidFill>
+                      <a:prstDash val="solid"/>
+                      <a:round/>
+                      <a:headEnd type="none" w="med" len="med"/>
+                      <a:tailEnd type="none" w="med" len="med"/>
+                    </a:lnR>
+                    <a:lnT w="12700" cap="flat" cmpd="sng" algn="ctr">
+                      <a:solidFill>
+                        <a:schemeClr val="tx1"/>
+                      </a:solidFill>
+                      <a:prstDash val="solid"/>
+                      <a:round/>
+                      <a:headEnd type="none" w="med" len="med"/>
+                      <a:tailEnd type="none" w="med" len="med"/>
+                    </a:lnT>
+                    <a:lnB w="12700" cap="flat" cmpd="sng" algn="ctr">
+                      <a:solidFill>
+                        <a:schemeClr val="tx1"/>
+                      </a:solidFill>
+                      <a:prstDash val="solid"/>
+                      <a:round/>
+                      <a:headEnd type="none" w="med" len="med"/>
+                      <a:tailEnd type="none" w="med" len="med"/>
+                    </a:lnB>
+                    <a:noFill/>
+                  </a:tcPr>
+                </a:tc>
+                <a:tc>
+                  <a:txBody>
+                    <a:bodyPr/>
+                    <a:lstStyle/>
+                    <a:p>
+                      <a:r>
+                        <a:rPr lang="it-IT"/>
+                        <a:t>8.06</a:t>
+                      </a:r>
+                    </a:p>
+                  </a:txBody>
+                  <a:tcPr anchor="ctr">
+                    <a:lnL w="12700" cap="flat" cmpd="sng" algn="ctr">
+                      <a:solidFill>
+                        <a:schemeClr val="tx1"/>
+                      </a:solidFill>
+                      <a:prstDash val="solid"/>
+                      <a:round/>
+                      <a:headEnd type="none" w="med" len="med"/>
+                      <a:tailEnd type="none" w="med" len="med"/>
+                    </a:lnL>
+                    <a:lnR w="12700" cap="flat" cmpd="sng" algn="ctr">
+                      <a:solidFill>
+                        <a:schemeClr val="tx1"/>
+                      </a:solidFill>
+                      <a:prstDash val="solid"/>
+                      <a:round/>
+                      <a:headEnd type="none" w="med" len="med"/>
+                      <a:tailEnd type="none" w="med" len="med"/>
+                    </a:lnR>
+                    <a:lnT w="12700" cap="flat" cmpd="sng" algn="ctr">
+                      <a:solidFill>
+                        <a:schemeClr val="tx1"/>
+                      </a:solidFill>
+                      <a:prstDash val="solid"/>
+                      <a:round/>
+                      <a:headEnd type="none" w="med" len="med"/>
+                      <a:tailEnd type="none" w="med" len="med"/>
+                    </a:lnT>
+                    <a:lnB w="12700" cap="flat" cmpd="sng" algn="ctr">
+                      <a:solidFill>
+                        <a:schemeClr val="tx1"/>
+                      </a:solidFill>
+                      <a:prstDash val="solid"/>
+                      <a:round/>
+                      <a:headEnd type="none" w="med" len="med"/>
+                      <a:tailEnd type="none" w="med" len="med"/>
+                    </a:lnB>
+                    <a:noFill/>
+                  </a:tcPr>
+                </a:tc>
+                <a:extLst>
+                  <a:ext uri="{0D108BD9-81ED-4DB2-BD59-A6C34878D82A}">
+                    <a16:rowId xmlns:a16="http://schemas.microsoft.com/office/drawing/2014/main" val="1609204832"/>
+                  </a:ext>
+                </a:extLst>
+              </a:tr>
+              <a:tr h="117168">
+                <a:tc>
+                  <a:txBody>
+                    <a:bodyPr/>
+                    <a:lstStyle/>
+                    <a:p>
+                      <a:r>
+                        <a:rPr lang="it-IT"/>
+                        <a:t>7</a:t>
+                      </a:r>
+                    </a:p>
+                  </a:txBody>
+                  <a:tcPr anchor="ctr">
+                    <a:lnL w="12700" cap="flat" cmpd="sng" algn="ctr">
+                      <a:solidFill>
+                        <a:schemeClr val="tx1"/>
+                      </a:solidFill>
+                      <a:prstDash val="solid"/>
+                      <a:round/>
+                      <a:headEnd type="none" w="med" len="med"/>
+                      <a:tailEnd type="none" w="med" len="med"/>
+                    </a:lnL>
+                    <a:lnR w="12700" cap="flat" cmpd="sng" algn="ctr">
+                      <a:solidFill>
+                        <a:schemeClr val="tx1"/>
+                      </a:solidFill>
+                      <a:prstDash val="solid"/>
+                      <a:round/>
+                      <a:headEnd type="none" w="med" len="med"/>
+                      <a:tailEnd type="none" w="med" len="med"/>
+                    </a:lnR>
+                    <a:lnT w="12700" cap="flat" cmpd="sng" algn="ctr">
+                      <a:solidFill>
+                        <a:schemeClr val="tx1"/>
+                      </a:solidFill>
+                      <a:prstDash val="solid"/>
+                      <a:round/>
+                      <a:headEnd type="none" w="med" len="med"/>
+                      <a:tailEnd type="none" w="med" len="med"/>
+                    </a:lnT>
+                    <a:lnB w="12700" cap="flat" cmpd="sng" algn="ctr">
+                      <a:solidFill>
+                        <a:schemeClr val="tx1"/>
+                      </a:solidFill>
+                      <a:prstDash val="solid"/>
+                      <a:round/>
+                      <a:headEnd type="none" w="med" len="med"/>
+                      <a:tailEnd type="none" w="med" len="med"/>
+                    </a:lnB>
+                    <a:noFill/>
+                  </a:tcPr>
+                </a:tc>
+                <a:tc>
+                  <a:txBody>
+                    <a:bodyPr/>
+                    <a:lstStyle/>
+                    <a:p>
+                      <a:r>
+                        <a:rPr lang="it-IT"/>
+                        <a:t>1.47</a:t>
+                      </a:r>
+                    </a:p>
+                  </a:txBody>
+                  <a:tcPr anchor="ctr">
+                    <a:lnL w="12700" cap="flat" cmpd="sng" algn="ctr">
+                      <a:solidFill>
+                        <a:schemeClr val="tx1"/>
+                      </a:solidFill>
+                      <a:prstDash val="solid"/>
+                      <a:round/>
+                      <a:headEnd type="none" w="med" len="med"/>
+                      <a:tailEnd type="none" w="med" len="med"/>
+                    </a:lnL>
+                    <a:lnR w="12700" cap="flat" cmpd="sng" algn="ctr">
+                      <a:solidFill>
+                        <a:schemeClr val="tx1"/>
+                      </a:solidFill>
+                      <a:prstDash val="solid"/>
+                      <a:round/>
+                      <a:headEnd type="none" w="med" len="med"/>
+                      <a:tailEnd type="none" w="med" len="med"/>
+                    </a:lnR>
+                    <a:lnT w="12700" cap="flat" cmpd="sng" algn="ctr">
+                      <a:solidFill>
+                        <a:schemeClr val="tx1"/>
+                      </a:solidFill>
+                      <a:prstDash val="solid"/>
+                      <a:round/>
+                      <a:headEnd type="none" w="med" len="med"/>
+                      <a:tailEnd type="none" w="med" len="med"/>
+                    </a:lnT>
+                    <a:lnB w="12700" cap="flat" cmpd="sng" algn="ctr">
+                      <a:solidFill>
+                        <a:schemeClr val="tx1"/>
+                      </a:solidFill>
+                      <a:prstDash val="solid"/>
+                      <a:round/>
+                      <a:headEnd type="none" w="med" len="med"/>
+                      <a:tailEnd type="none" w="med" len="med"/>
+                    </a:lnB>
+                    <a:noFill/>
+                  </a:tcPr>
+                </a:tc>
+                <a:extLst>
+                  <a:ext uri="{0D108BD9-81ED-4DB2-BD59-A6C34878D82A}">
+                    <a16:rowId xmlns:a16="http://schemas.microsoft.com/office/drawing/2014/main" val="3775902033"/>
+                  </a:ext>
+                </a:extLst>
+              </a:tr>
+              <a:tr h="117168">
+                <a:tc>
+                  <a:txBody>
+                    <a:bodyPr/>
+                    <a:lstStyle/>
+                    <a:p>
+                      <a:r>
+                        <a:rPr lang="it-IT"/>
+                        <a:t>8</a:t>
+                      </a:r>
+                    </a:p>
+                  </a:txBody>
+                  <a:tcPr anchor="ctr">
+                    <a:lnL w="12700" cap="flat" cmpd="sng" algn="ctr">
+                      <a:solidFill>
+                        <a:schemeClr val="tx1"/>
+                      </a:solidFill>
+                      <a:prstDash val="solid"/>
+                      <a:round/>
+                      <a:headEnd type="none" w="med" len="med"/>
+                      <a:tailEnd type="none" w="med" len="med"/>
+                    </a:lnL>
+                    <a:lnR w="12700" cap="flat" cmpd="sng" algn="ctr">
+                      <a:solidFill>
+                        <a:schemeClr val="tx1"/>
+                      </a:solidFill>
+                      <a:prstDash val="solid"/>
+                      <a:round/>
+                      <a:headEnd type="none" w="med" len="med"/>
+                      <a:tailEnd type="none" w="med" len="med"/>
+                    </a:lnR>
+                    <a:lnT w="12700" cap="flat" cmpd="sng" algn="ctr">
+                      <a:solidFill>
+                        <a:schemeClr val="tx1"/>
+                      </a:solidFill>
+                      <a:prstDash val="solid"/>
+                      <a:round/>
+                      <a:headEnd type="none" w="med" len="med"/>
+                      <a:tailEnd type="none" w="med" len="med"/>
+                    </a:lnT>
+                    <a:lnB w="12700" cap="flat" cmpd="sng" algn="ctr">
+                      <a:solidFill>
+                        <a:schemeClr val="tx1"/>
+                      </a:solidFill>
+                      <a:prstDash val="solid"/>
+                      <a:round/>
+                      <a:headEnd type="none" w="med" len="med"/>
+                      <a:tailEnd type="none" w="med" len="med"/>
+                    </a:lnB>
+                    <a:noFill/>
+                  </a:tcPr>
+                </a:tc>
+                <a:tc>
+                  <a:txBody>
+                    <a:bodyPr/>
+                    <a:lstStyle/>
+                    <a:p>
+                      <a:r>
+                        <a:rPr lang="it-IT"/>
+                        <a:t>8.43</a:t>
+                      </a:r>
+                    </a:p>
+                  </a:txBody>
+                  <a:tcPr anchor="ctr">
+                    <a:lnL w="12700" cap="flat" cmpd="sng" algn="ctr">
+                      <a:solidFill>
+                        <a:schemeClr val="tx1"/>
+                      </a:solidFill>
+                      <a:prstDash val="solid"/>
+                      <a:round/>
+                      <a:headEnd type="none" w="med" len="med"/>
+                      <a:tailEnd type="none" w="med" len="med"/>
+                    </a:lnL>
+                    <a:lnR w="12700" cap="flat" cmpd="sng" algn="ctr">
+                      <a:solidFill>
+                        <a:schemeClr val="tx1"/>
+                      </a:solidFill>
+                      <a:prstDash val="solid"/>
+                      <a:round/>
+                      <a:headEnd type="none" w="med" len="med"/>
+                      <a:tailEnd type="none" w="med" len="med"/>
+                    </a:lnR>
+                    <a:lnT w="12700" cap="flat" cmpd="sng" algn="ctr">
+                      <a:solidFill>
+                        <a:schemeClr val="tx1"/>
+                      </a:solidFill>
+                      <a:prstDash val="solid"/>
+                      <a:round/>
+                      <a:headEnd type="none" w="med" len="med"/>
+                      <a:tailEnd type="none" w="med" len="med"/>
+                    </a:lnT>
+                    <a:lnB w="12700" cap="flat" cmpd="sng" algn="ctr">
+                      <a:solidFill>
+                        <a:schemeClr val="tx1"/>
+                      </a:solidFill>
+                      <a:prstDash val="solid"/>
+                      <a:round/>
+                      <a:headEnd type="none" w="med" len="med"/>
+                      <a:tailEnd type="none" w="med" len="med"/>
+                    </a:lnB>
+                    <a:noFill/>
+                  </a:tcPr>
+                </a:tc>
+                <a:extLst>
+                  <a:ext uri="{0D108BD9-81ED-4DB2-BD59-A6C34878D82A}">
+                    <a16:rowId xmlns:a16="http://schemas.microsoft.com/office/drawing/2014/main" val="922898208"/>
+                  </a:ext>
+                </a:extLst>
+              </a:tr>
+              <a:tr h="117168">
+                <a:tc>
+                  <a:txBody>
+                    <a:bodyPr/>
+                    <a:lstStyle/>
+                    <a:p>
+                      <a:r>
+                        <a:rPr lang="it-IT"/>
+                        <a:t>9</a:t>
+                      </a:r>
+                    </a:p>
+                  </a:txBody>
+                  <a:tcPr anchor="ctr">
+                    <a:lnL w="12700" cap="flat" cmpd="sng" algn="ctr">
+                      <a:solidFill>
+                        <a:schemeClr val="tx1"/>
+                      </a:solidFill>
+                      <a:prstDash val="solid"/>
+                      <a:round/>
+                      <a:headEnd type="none" w="med" len="med"/>
+                      <a:tailEnd type="none" w="med" len="med"/>
+                    </a:lnL>
+                    <a:lnR w="12700" cap="flat" cmpd="sng" algn="ctr">
+                      <a:solidFill>
+                        <a:schemeClr val="tx1"/>
+                      </a:solidFill>
+                      <a:prstDash val="solid"/>
+                      <a:round/>
+                      <a:headEnd type="none" w="med" len="med"/>
+                      <a:tailEnd type="none" w="med" len="med"/>
+                    </a:lnR>
+                    <a:lnT w="12700" cap="flat" cmpd="sng" algn="ctr">
+                      <a:solidFill>
+                        <a:schemeClr val="tx1"/>
+                      </a:solidFill>
+                      <a:prstDash val="solid"/>
+                      <a:round/>
+                      <a:headEnd type="none" w="med" len="med"/>
+                      <a:tailEnd type="none" w="med" len="med"/>
+                    </a:lnT>
+                    <a:lnB w="12700" cap="flat" cmpd="sng" algn="ctr">
+                      <a:solidFill>
+                        <a:schemeClr val="tx1"/>
+                      </a:solidFill>
+                      <a:prstDash val="solid"/>
+                      <a:round/>
+                      <a:headEnd type="none" w="med" len="med"/>
+                      <a:tailEnd type="none" w="med" len="med"/>
+                    </a:lnB>
+                    <a:noFill/>
+                  </a:tcPr>
+                </a:tc>
+                <a:tc>
+                  <a:txBody>
+                    <a:bodyPr/>
+                    <a:lstStyle/>
+                    <a:p>
+                      <a:r>
+                        <a:rPr lang="it-IT" dirty="0"/>
+                        <a:t>3.33</a:t>
+                      </a:r>
+                    </a:p>
+                  </a:txBody>
+                  <a:tcPr anchor="ctr">
+                    <a:lnL w="12700" cap="flat" cmpd="sng" algn="ctr">
+                      <a:solidFill>
+                        <a:schemeClr val="tx1"/>
+                      </a:solidFill>
+                      <a:prstDash val="solid"/>
+                      <a:round/>
+                      <a:headEnd type="none" w="med" len="med"/>
+                      <a:tailEnd type="none" w="med" len="med"/>
+                    </a:lnL>
+                    <a:lnR w="12700" cap="flat" cmpd="sng" algn="ctr">
+                      <a:solidFill>
+                        <a:schemeClr val="tx1"/>
+                      </a:solidFill>
+                      <a:prstDash val="solid"/>
+                      <a:round/>
+                      <a:headEnd type="none" w="med" len="med"/>
+                      <a:tailEnd type="none" w="med" len="med"/>
+                    </a:lnR>
+                    <a:lnT w="12700" cap="flat" cmpd="sng" algn="ctr">
+                      <a:solidFill>
+                        <a:schemeClr val="tx1"/>
+                      </a:solidFill>
+                      <a:prstDash val="solid"/>
+                      <a:round/>
+                      <a:headEnd type="none" w="med" len="med"/>
+                      <a:tailEnd type="none" w="med" len="med"/>
+                    </a:lnT>
+                    <a:lnB w="12700" cap="flat" cmpd="sng" algn="ctr">
+                      <a:solidFill>
+                        <a:schemeClr val="tx1"/>
+                      </a:solidFill>
+                      <a:prstDash val="solid"/>
+                      <a:round/>
+                      <a:headEnd type="none" w="med" len="med"/>
+                      <a:tailEnd type="none" w="med" len="med"/>
+                    </a:lnB>
+                    <a:noFill/>
+                  </a:tcPr>
+                </a:tc>
+                <a:extLst>
+                  <a:ext uri="{0D108BD9-81ED-4DB2-BD59-A6C34878D82A}">
+                    <a16:rowId xmlns:a16="http://schemas.microsoft.com/office/drawing/2014/main" val="797092674"/>
+                  </a:ext>
+                </a:extLst>
+              </a:tr>
+            </a:tbl>
+          </a:graphicData>
+        </a:graphic>
+      </p:graphicFrame>
     </p:spTree>
     <p:extLst>
       <p:ext uri="{BB962C8B-B14F-4D97-AF65-F5344CB8AC3E}">
